--- a/Advanced Multimedia Information Processing and Communications/01-02 (10-11) Image Processing Software/Image Processing Software.pptx
+++ b/Advanced Multimedia Information Processing and Communications/01-02 (10-11) Image Processing Software/Image Processing Software.pptx
@@ -1331,7 +1331,7 @@
               </a:spcAft>
               <a:buNone/>
             </a:pPr>
-            <a:endParaRPr/>
+            <a:endParaRPr dirty="0"/>
           </a:p>
         </p:txBody>
       </p:sp>
@@ -23501,22 +23501,16 @@
               <a:buNone/>
             </a:pPr>
             <a:r>
-              <a:rPr lang="en-US" sz="3018" b="1">
+              <a:rPr lang="en-US" sz="3018" b="1" dirty="0">
                 <a:latin typeface="Consolas"/>
                 <a:ea typeface="Consolas"/>
                 <a:cs typeface="Consolas"/>
                 <a:sym typeface="Consolas"/>
               </a:rPr>
-              <a:t>cv2.imshow(winname, image)</a:t>
-            </a:r>
-            <a:endParaRPr sz="3018"/>
-          </a:p>
-          <a:p>
-            <a:pPr indent="-479184">
-              <a:buSzPts val="2400"/>
-            </a:pPr>
-            <a:r>
-              <a:rPr lang="en-US" sz="3018" b="1">
+              <a:t>cv2.imshow(</a:t>
+            </a:r>
+            <a:r>
+              <a:rPr lang="en-US" sz="3018" b="1" dirty="0" err="1">
                 <a:latin typeface="Consolas"/>
                 <a:ea typeface="Consolas"/>
                 <a:cs typeface="Consolas"/>
@@ -23525,32 +23519,56 @@
               <a:t>winname</a:t>
             </a:r>
             <a:r>
-              <a:rPr lang="en-US" sz="3018"/>
-              <a:t> - name of window</a:t>
-            </a:r>
-            <a:endParaRPr sz="3018"/>
-          </a:p>
-          <a:p>
-            <a:pPr indent="-479184">
-              <a:spcBef>
-                <a:spcPts val="0"/>
-              </a:spcBef>
-              <a:buSzPts val="2400"/>
-            </a:pPr>
-            <a:r>
-              <a:rPr lang="en-US" sz="3018" b="1">
+              <a:rPr lang="en-US" sz="3018" b="1" dirty="0">
                 <a:latin typeface="Consolas"/>
                 <a:ea typeface="Consolas"/>
                 <a:cs typeface="Consolas"/>
                 <a:sym typeface="Consolas"/>
               </a:rPr>
+              <a:t>, image)</a:t>
+            </a:r>
+            <a:endParaRPr sz="3018" dirty="0"/>
+          </a:p>
+          <a:p>
+            <a:pPr indent="-479184">
+              <a:buSzPts val="2400"/>
+            </a:pPr>
+            <a:r>
+              <a:rPr lang="en-US" sz="3018" b="1" dirty="0" err="1">
+                <a:latin typeface="Consolas"/>
+                <a:ea typeface="Consolas"/>
+                <a:cs typeface="Consolas"/>
+                <a:sym typeface="Consolas"/>
+              </a:rPr>
+              <a:t>winname</a:t>
+            </a:r>
+            <a:r>
+              <a:rPr lang="en-US" sz="3018" dirty="0"/>
+              <a:t> - name of window</a:t>
+            </a:r>
+            <a:endParaRPr sz="3018" dirty="0"/>
+          </a:p>
+          <a:p>
+            <a:pPr indent="-479184">
+              <a:spcBef>
+                <a:spcPts val="0"/>
+              </a:spcBef>
+              <a:buSzPts val="2400"/>
+            </a:pPr>
+            <a:r>
+              <a:rPr lang="en-US" sz="3018" b="1" dirty="0">
+                <a:latin typeface="Consolas"/>
+                <a:ea typeface="Consolas"/>
+                <a:cs typeface="Consolas"/>
+                <a:sym typeface="Consolas"/>
+              </a:rPr>
               <a:t>image</a:t>
             </a:r>
             <a:r>
-              <a:rPr lang="en-US" sz="3018"/>
+              <a:rPr lang="en-US" sz="3018" dirty="0"/>
               <a:t> - image to be shown</a:t>
             </a:r>
-            <a:endParaRPr sz="3018"/>
+            <a:endParaRPr sz="3018" dirty="0"/>
           </a:p>
         </p:txBody>
       </p:sp>
@@ -24688,10 +24706,10 @@
           <a:lstStyle/>
           <a:p>
             <a:r>
-              <a:rPr lang="en-US"/>
+              <a:rPr lang="en-US" dirty="0"/>
               <a:t>Converting to Grayscale</a:t>
             </a:r>
-            <a:endParaRPr/>
+            <a:endParaRPr dirty="0"/>
           </a:p>
         </p:txBody>
       </p:sp>
@@ -25119,10 +25137,10 @@
           <a:lstStyle/>
           <a:p>
             <a:r>
-              <a:rPr lang="en-US"/>
+              <a:rPr lang="en-US" dirty="0"/>
               <a:t>Writing Images</a:t>
             </a:r>
-            <a:endParaRPr/>
+            <a:endParaRPr dirty="0"/>
           </a:p>
         </p:txBody>
       </p:sp>
@@ -25310,15 +25328,33 @@
               <a:buNone/>
             </a:pPr>
             <a:r>
-              <a:rPr lang="en-US" sz="3018" b="1">
+              <a:rPr lang="en-US" sz="3018" b="1" dirty="0">
                 <a:latin typeface="Consolas"/>
                 <a:ea typeface="Consolas"/>
                 <a:cs typeface="Consolas"/>
                 <a:sym typeface="Consolas"/>
               </a:rPr>
-              <a:t>cv2.imwrite(filename, img)</a:t>
-            </a:r>
-            <a:endParaRPr sz="3018" b="1">
+              <a:t>cv2.imwrite(filename, </a:t>
+            </a:r>
+            <a:r>
+              <a:rPr lang="en-US" sz="3018" b="1" dirty="0" err="1">
+                <a:latin typeface="Consolas"/>
+                <a:ea typeface="Consolas"/>
+                <a:cs typeface="Consolas"/>
+                <a:sym typeface="Consolas"/>
+              </a:rPr>
+              <a:t>img</a:t>
+            </a:r>
+            <a:r>
+              <a:rPr lang="en-US" sz="3018" b="1" dirty="0">
+                <a:latin typeface="Consolas"/>
+                <a:ea typeface="Consolas"/>
+                <a:cs typeface="Consolas"/>
+                <a:sym typeface="Consolas"/>
+              </a:rPr>
+              <a:t>)</a:t>
+            </a:r>
+            <a:endParaRPr sz="3018" b="1" dirty="0">
               <a:latin typeface="Consolas"/>
               <a:ea typeface="Consolas"/>
               <a:cs typeface="Consolas"/>
@@ -25330,7 +25366,7 @@
               <a:buSzPts val="2400"/>
             </a:pPr>
             <a:r>
-              <a:rPr lang="en-US" sz="3018" b="1">
+              <a:rPr lang="en-US" sz="3018" b="1" dirty="0">
                 <a:latin typeface="Consolas"/>
                 <a:ea typeface="Consolas"/>
                 <a:cs typeface="Consolas"/>
@@ -25339,10 +25375,10 @@
               <a:t>filename</a:t>
             </a:r>
             <a:r>
-              <a:rPr lang="en-US" sz="3018"/>
+              <a:rPr lang="en-US" sz="3018" dirty="0"/>
               <a:t> - name of the file</a:t>
             </a:r>
-            <a:endParaRPr sz="3018"/>
+            <a:endParaRPr sz="3018" dirty="0"/>
           </a:p>
           <a:p>
             <a:pPr indent="-479184">
@@ -25352,7 +25388,7 @@
               <a:buSzPts val="2400"/>
             </a:pPr>
             <a:r>
-              <a:rPr lang="en-US" sz="3018" b="1">
+              <a:rPr lang="en-US" sz="3018" b="1" dirty="0" err="1">
                 <a:latin typeface="Consolas"/>
                 <a:ea typeface="Consolas"/>
                 <a:cs typeface="Consolas"/>
@@ -25361,10 +25397,10 @@
               <a:t>img</a:t>
             </a:r>
             <a:r>
-              <a:rPr lang="en-US" sz="3018"/>
+              <a:rPr lang="en-US" sz="3018" dirty="0"/>
               <a:t> - image to be saved</a:t>
             </a:r>
-            <a:endParaRPr sz="3018"/>
+            <a:endParaRPr sz="3018" dirty="0"/>
           </a:p>
         </p:txBody>
       </p:sp>
@@ -27989,15 +28025,24 @@
               <a:buNone/>
             </a:pPr>
             <a:r>
-              <a:rPr lang="en-US" sz="3018" b="1">
+              <a:rPr lang="en-US" sz="3018" b="1" dirty="0">
                 <a:latin typeface="Consolas"/>
                 <a:ea typeface="Consolas"/>
                 <a:cs typeface="Consolas"/>
                 <a:sym typeface="Consolas"/>
               </a:rPr>
-              <a:t>d = ndarray.shape</a:t>
-            </a:r>
-            <a:endParaRPr sz="3018" b="1">
+              <a:t>d = </a:t>
+            </a:r>
+            <a:r>
+              <a:rPr lang="en-US" sz="3018" b="1" dirty="0" err="1">
+                <a:latin typeface="Consolas"/>
+                <a:ea typeface="Consolas"/>
+                <a:cs typeface="Consolas"/>
+                <a:sym typeface="Consolas"/>
+              </a:rPr>
+              <a:t>ndarray.shape</a:t>
+            </a:r>
+            <a:endParaRPr sz="3018" b="1" dirty="0">
               <a:latin typeface="Consolas"/>
               <a:ea typeface="Consolas"/>
               <a:cs typeface="Consolas"/>
@@ -28009,15 +28054,24 @@
               <a:buNone/>
             </a:pPr>
             <a:r>
-              <a:rPr lang="en-US" sz="3018" b="1">
+              <a:rPr lang="en-US" sz="3018" b="1" dirty="0">
                 <a:latin typeface="Consolas"/>
                 <a:ea typeface="Consolas"/>
                 <a:cs typeface="Consolas"/>
                 <a:sym typeface="Consolas"/>
               </a:rPr>
-              <a:t>n = ndarray.size</a:t>
-            </a:r>
-            <a:endParaRPr sz="3018" b="1">
+              <a:t>n = </a:t>
+            </a:r>
+            <a:r>
+              <a:rPr lang="en-US" sz="3018" b="1" dirty="0" err="1">
+                <a:latin typeface="Consolas"/>
+                <a:ea typeface="Consolas"/>
+                <a:cs typeface="Consolas"/>
+                <a:sym typeface="Consolas"/>
+              </a:rPr>
+              <a:t>ndarray.size</a:t>
+            </a:r>
+            <a:endParaRPr sz="3018" b="1" dirty="0">
               <a:latin typeface="Consolas"/>
               <a:ea typeface="Consolas"/>
               <a:cs typeface="Consolas"/>
@@ -28029,15 +28083,24 @@
               <a:buNone/>
             </a:pPr>
             <a:r>
-              <a:rPr lang="en-US" sz="3018" b="1">
+              <a:rPr lang="en-US" sz="3018" b="1" dirty="0">
                 <a:latin typeface="Consolas"/>
                 <a:ea typeface="Consolas"/>
                 <a:cs typeface="Consolas"/>
                 <a:sym typeface="Consolas"/>
               </a:rPr>
-              <a:t>o = ndarray.dtype</a:t>
-            </a:r>
-            <a:endParaRPr sz="3018" b="1">
+              <a:t>o = </a:t>
+            </a:r>
+            <a:r>
+              <a:rPr lang="en-US" sz="3018" b="1" dirty="0" err="1">
+                <a:latin typeface="Consolas"/>
+                <a:ea typeface="Consolas"/>
+                <a:cs typeface="Consolas"/>
+                <a:sym typeface="Consolas"/>
+              </a:rPr>
+              <a:t>ndarray.dtype</a:t>
+            </a:r>
+            <a:endParaRPr sz="3018" b="1" dirty="0">
               <a:latin typeface="Consolas"/>
               <a:ea typeface="Consolas"/>
               <a:cs typeface="Consolas"/>
@@ -28052,7 +28115,7 @@
               <a:buSzPts val="2400"/>
             </a:pPr>
             <a:r>
-              <a:rPr lang="en-US" sz="3018" b="1">
+              <a:rPr lang="en-US" sz="3018" b="1" dirty="0">
                 <a:solidFill>
                   <a:schemeClr val="dk1"/>
                 </a:solidFill>
@@ -28064,14 +28127,14 @@
               <a:t>d</a:t>
             </a:r>
             <a:r>
-              <a:rPr lang="en-US" sz="3018">
+              <a:rPr lang="en-US" sz="3018" dirty="0">
                 <a:solidFill>
                   <a:schemeClr val="dk1"/>
                 </a:solidFill>
               </a:rPr>
               <a:t> - tuple of array dimensions</a:t>
             </a:r>
-            <a:endParaRPr sz="3018">
+            <a:endParaRPr sz="3018" dirty="0">
               <a:solidFill>
                 <a:schemeClr val="dk1"/>
               </a:solidFill>
@@ -28088,7 +28151,7 @@
               <a:buSzPts val="2400"/>
             </a:pPr>
             <a:r>
-              <a:rPr lang="en-US" sz="3018" b="1">
+              <a:rPr lang="en-US" sz="3018" b="1" dirty="0">
                 <a:solidFill>
                   <a:schemeClr val="dk1"/>
                 </a:solidFill>
@@ -28100,14 +28163,14 @@
               <a:t>n</a:t>
             </a:r>
             <a:r>
-              <a:rPr lang="en-US" sz="3018">
+              <a:rPr lang="en-US" sz="3018" dirty="0">
                 <a:solidFill>
                   <a:schemeClr val="dk1"/>
                 </a:solidFill>
               </a:rPr>
               <a:t> - number of elements in array</a:t>
             </a:r>
-            <a:endParaRPr sz="3018">
+            <a:endParaRPr sz="3018" dirty="0">
               <a:solidFill>
                 <a:schemeClr val="dk1"/>
               </a:solidFill>
@@ -28124,7 +28187,7 @@
               <a:buSzPts val="2400"/>
             </a:pPr>
             <a:r>
-              <a:rPr lang="en-US" sz="3018" b="1">
+              <a:rPr lang="en-US" sz="3018" b="1" dirty="0">
                 <a:solidFill>
                   <a:schemeClr val="dk1"/>
                 </a:solidFill>
@@ -28136,14 +28199,14 @@
               <a:t>o</a:t>
             </a:r>
             <a:r>
-              <a:rPr lang="en-US" sz="3018">
+              <a:rPr lang="en-US" sz="3018" dirty="0">
                 <a:solidFill>
                   <a:schemeClr val="dk1"/>
                 </a:solidFill>
               </a:rPr>
               <a:t> - data-type of array’s elements</a:t>
             </a:r>
-            <a:endParaRPr sz="3018">
+            <a:endParaRPr sz="3018" dirty="0">
               <a:solidFill>
                 <a:schemeClr val="dk1"/>
               </a:solidFill>
@@ -28160,7 +28223,7 @@
               <a:buSzPts val="2400"/>
             </a:pPr>
             <a:r>
-              <a:rPr lang="en-US" sz="3018" b="1">
+              <a:rPr lang="en-US" sz="3018" b="1" dirty="0">
                 <a:solidFill>
                   <a:schemeClr val="dk1"/>
                 </a:solidFill>
@@ -28172,14 +28235,14 @@
               <a:t>ndarray</a:t>
             </a:r>
             <a:r>
-              <a:rPr lang="en-US" sz="3018">
+              <a:rPr lang="en-US" sz="3018" dirty="0">
                 <a:solidFill>
                   <a:schemeClr val="dk1"/>
                 </a:solidFill>
               </a:rPr>
               <a:t> - image</a:t>
             </a:r>
-            <a:endParaRPr sz="3018" b="1">
+            <a:endParaRPr sz="3018" b="1" dirty="0">
               <a:latin typeface="Consolas"/>
               <a:ea typeface="Consolas"/>
               <a:cs typeface="Consolas"/>
@@ -28391,7 +28454,7 @@
             </a:pPr>
             <a:r>
               <a:rPr lang="en-US" sz="2264" dirty="0"/>
-              <a:t>Constants (e.g. minimum face size in face detection)</a:t>
+              <a:t>Constants (e.g., minimum face size in face detection)</a:t>
             </a:r>
             <a:endParaRPr sz="2264" dirty="0"/>
           </a:p>
@@ -28465,7 +28528,7 @@
               <a:buSzPts val="1800"/>
             </a:pPr>
             <a:r>
-              <a:rPr lang="en-US" sz="2264" b="1">
+              <a:rPr lang="en-US" sz="2264" b="1" dirty="0">
                 <a:solidFill>
                   <a:srgbClr val="1E1E1E"/>
                 </a:solidFill>
@@ -28473,10 +28536,10 @@
               <a:t>Image processing </a:t>
             </a:r>
             <a:r>
-              <a:rPr lang="en-US" sz="2264"/>
+              <a:rPr lang="en-US" sz="2264" dirty="0"/>
               <a:t>libraries delivering functions allowing to easily work with images</a:t>
             </a:r>
-            <a:endParaRPr sz="2264"/>
+            <a:endParaRPr sz="2264" dirty="0"/>
           </a:p>
           <a:p>
             <a:pPr marL="491163" indent="-455225">
@@ -28486,10 +28549,10 @@
               <a:buSzPts val="1800"/>
             </a:pPr>
             <a:r>
-              <a:rPr lang="en-US" sz="2264"/>
+              <a:rPr lang="en-US" sz="2264" dirty="0"/>
               <a:t>Example image processing functions:</a:t>
             </a:r>
-            <a:endParaRPr sz="2264"/>
+            <a:endParaRPr sz="2264" dirty="0"/>
           </a:p>
           <a:p>
             <a:pPr marL="1116099" lvl="1" indent="-425276">
@@ -28502,14 +28565,14 @@
               <a:buSzPts val="1800"/>
             </a:pPr>
             <a:r>
-              <a:rPr lang="en-US" sz="2264" b="1">
+              <a:rPr lang="en-US" sz="2264" b="1" dirty="0">
                 <a:solidFill>
                   <a:srgbClr val="1E1E1E"/>
                 </a:solidFill>
               </a:rPr>
               <a:t>Filtering</a:t>
             </a:r>
-            <a:endParaRPr sz="2264"/>
+            <a:endParaRPr sz="2264" dirty="0"/>
           </a:p>
           <a:p>
             <a:pPr marL="1116099" lvl="1" indent="-425276">
@@ -28522,14 +28585,14 @@
               <a:buSzPts val="1800"/>
             </a:pPr>
             <a:r>
-              <a:rPr lang="en-US" sz="2264" b="1">
+              <a:rPr lang="en-US" sz="2264" b="1" dirty="0">
                 <a:solidFill>
                   <a:srgbClr val="1E1E1E"/>
                 </a:solidFill>
               </a:rPr>
               <a:t>Binarisation</a:t>
             </a:r>
-            <a:endParaRPr sz="2264"/>
+            <a:endParaRPr sz="2264" dirty="0"/>
           </a:p>
           <a:p>
             <a:pPr marL="1116099" lvl="1" indent="-425276">
@@ -28542,14 +28605,14 @@
               <a:buSzPts val="1800"/>
             </a:pPr>
             <a:r>
-              <a:rPr lang="en-US" sz="2264" b="1">
+              <a:rPr lang="en-US" sz="2264" b="1" dirty="0">
                 <a:solidFill>
                   <a:srgbClr val="1E1E1E"/>
                 </a:solidFill>
               </a:rPr>
               <a:t>Segmentation</a:t>
             </a:r>
-            <a:endParaRPr sz="2264"/>
+            <a:endParaRPr sz="2264" dirty="0"/>
           </a:p>
           <a:p>
             <a:pPr marL="1116098" lvl="1" indent="-425275">
@@ -28562,14 +28625,14 @@
               <a:buSzPts val="1800"/>
             </a:pPr>
             <a:r>
-              <a:rPr lang="en-US" sz="2264" b="1">
+              <a:rPr lang="en-US" sz="2264" b="1" dirty="0">
                 <a:solidFill>
                   <a:srgbClr val="1E1E1E"/>
                 </a:solidFill>
               </a:rPr>
               <a:t>Geometric transformation</a:t>
             </a:r>
-            <a:endParaRPr sz="2264"/>
+            <a:endParaRPr sz="2264" dirty="0"/>
           </a:p>
           <a:p>
             <a:pPr marL="1116098" lvl="1" indent="-425275">
@@ -28582,14 +28645,14 @@
               <a:buSzPts val="1800"/>
             </a:pPr>
             <a:r>
-              <a:rPr lang="en-US" sz="2264" b="1">
+              <a:rPr lang="en-US" sz="2264" b="1" dirty="0">
                 <a:solidFill>
                   <a:srgbClr val="1E1E1E"/>
                 </a:solidFill>
               </a:rPr>
               <a:t>Compression</a:t>
             </a:r>
-            <a:endParaRPr sz="2264" b="1">
+            <a:endParaRPr sz="2264" b="1" dirty="0">
               <a:solidFill>
                 <a:srgbClr val="1E1E1E"/>
               </a:solidFill>
@@ -28606,14 +28669,14 @@
               <a:buSzPts val="1800"/>
             </a:pPr>
             <a:r>
-              <a:rPr lang="en-US" sz="2264" b="1">
+              <a:rPr lang="en-US" sz="2264" b="1" dirty="0">
                 <a:solidFill>
                   <a:srgbClr val="1E1E1E"/>
                 </a:solidFill>
               </a:rPr>
               <a:t>Super-resolution</a:t>
             </a:r>
-            <a:endParaRPr sz="2264" b="1">
+            <a:endParaRPr sz="2264" b="1" dirty="0">
               <a:solidFill>
                 <a:srgbClr val="1E1E1E"/>
               </a:solidFill>
@@ -30648,7 +30711,7 @@
             </a:r>
             <a:r>
               <a:rPr lang="en-GB" sz="2400" dirty="0"/>
-              <a:t> – filter sigma in coordinate space; larger parameter value meaning farther pixels influencing each other as long as their colours close enough (see  </a:t>
+              <a:t> – filter sigma in coordinate space; larger parameter value meaning farther pixels influencing each other if their colours close enough (see  </a:t>
             </a:r>
             <a:r>
               <a:rPr lang="en-GB" sz="2000" b="1" dirty="0" err="1">
@@ -30684,7 +30747,7 @@
             </a:r>
             <a:r>
               <a:rPr lang="en-GB" sz="2400" dirty="0"/>
-              <a:t>; otherwise </a:t>
+              <a:t>; otherwise, </a:t>
             </a:r>
             <a:r>
               <a:rPr lang="en-GB" sz="2000" b="1" dirty="0">
@@ -31987,10 +32050,18 @@
               <a:buSzPts val="2400"/>
             </a:pPr>
             <a:r>
-              <a:rPr lang="en-US" sz="3018"/>
-              <a:t>MATrix LABoratory</a:t>
-            </a:r>
-            <a:endParaRPr sz="3018"/>
+              <a:rPr lang="en-US" sz="3018" dirty="0" err="1"/>
+              <a:t>MATrix</a:t>
+            </a:r>
+            <a:r>
+              <a:rPr lang="en-US" sz="3018" dirty="0"/>
+              <a:t> </a:t>
+            </a:r>
+            <a:r>
+              <a:rPr lang="en-US" sz="3018" dirty="0" err="1"/>
+              <a:t>LABoratory</a:t>
+            </a:r>
+            <a:endParaRPr sz="3018" dirty="0"/>
           </a:p>
           <a:p>
             <a:pPr indent="-479184">
@@ -32003,10 +32074,10 @@
               <a:buSzPts val="2400"/>
             </a:pPr>
             <a:r>
-              <a:rPr lang="en-US" sz="3018"/>
+              <a:rPr lang="en-US" sz="3018" dirty="0"/>
               <a:t>Multi-paradigm numerical computing environment</a:t>
             </a:r>
-            <a:endParaRPr sz="3018"/>
+            <a:endParaRPr sz="3018" dirty="0"/>
           </a:p>
           <a:p>
             <a:pPr indent="-479184">
@@ -32019,10 +32090,10 @@
               <a:buSzPts val="2400"/>
             </a:pPr>
             <a:r>
-              <a:rPr lang="en-US" sz="3018"/>
+              <a:rPr lang="en-US" sz="3018" dirty="0"/>
               <a:t>Proprietary programming language </a:t>
             </a:r>
-            <a:endParaRPr sz="3018"/>
+            <a:endParaRPr sz="3018" dirty="0"/>
           </a:p>
           <a:p>
             <a:pPr indent="-479184">
@@ -32035,10 +32106,10 @@
               <a:buSzPts val="2400"/>
             </a:pPr>
             <a:r>
-              <a:rPr lang="en-US" sz="3018"/>
+              <a:rPr lang="en-US" sz="3018" dirty="0"/>
               <a:t>Developed by MathWorks</a:t>
             </a:r>
-            <a:endParaRPr sz="3018"/>
+            <a:endParaRPr sz="3018" dirty="0"/>
           </a:p>
           <a:p>
             <a:pPr indent="-479184">
@@ -32054,10 +32125,10 @@
               <a:buSzPts val="2400"/>
             </a:pPr>
             <a:r>
-              <a:rPr lang="en-US" sz="3018"/>
+              <a:rPr lang="en-US" sz="3018" dirty="0"/>
               <a:t>Software tools for image processing</a:t>
             </a:r>
-            <a:endParaRPr sz="3018"/>
+            <a:endParaRPr sz="3018" dirty="0"/>
           </a:p>
         </p:txBody>
       </p:sp>
@@ -33147,10 +33218,10 @@
           <a:lstStyle/>
           <a:p>
             <a:r>
-              <a:rPr lang="en-US"/>
+              <a:rPr lang="en-US" dirty="0"/>
               <a:t>Generic Image Library (GIL)</a:t>
             </a:r>
-            <a:endParaRPr/>
+            <a:endParaRPr dirty="0"/>
           </a:p>
         </p:txBody>
       </p:sp>
@@ -33193,10 +33264,10 @@
               <a:buSzPts val="2790"/>
             </a:pPr>
             <a:r>
-              <a:rPr lang="en-US" sz="3509"/>
+              <a:rPr lang="en-US" sz="3509" dirty="0"/>
               <a:t>C++ library allowing for writing generic imaging algorithms </a:t>
             </a:r>
-            <a:endParaRPr/>
+            <a:endParaRPr dirty="0"/>
           </a:p>
           <a:p>
             <a:pPr marL="491163" indent="-491163">
@@ -33206,10 +33277,10 @@
               <a:buSzPts val="2790"/>
             </a:pPr>
             <a:r>
-              <a:rPr lang="en-US" sz="3509"/>
+              <a:rPr lang="en-US" sz="3509" dirty="0"/>
               <a:t>Designed with following 5 goals in mind:</a:t>
             </a:r>
-            <a:endParaRPr/>
+            <a:endParaRPr dirty="0"/>
           </a:p>
           <a:p>
             <a:pPr marL="1116099" lvl="1" indent="-461215">
@@ -33222,14 +33293,14 @@
               <a:buSzPts val="2790"/>
             </a:pPr>
             <a:r>
-              <a:rPr lang="en-US" sz="3509" b="1">
+              <a:rPr lang="en-US" sz="3509" b="1" dirty="0">
                 <a:solidFill>
                   <a:srgbClr val="1E1E1E"/>
                 </a:solidFill>
               </a:rPr>
               <a:t>Generality</a:t>
             </a:r>
-            <a:endParaRPr/>
+            <a:endParaRPr dirty="0"/>
           </a:p>
           <a:p>
             <a:pPr marL="1116099" lvl="1" indent="-461215">
@@ -33242,14 +33313,14 @@
               <a:buSzPts val="2790"/>
             </a:pPr>
             <a:r>
-              <a:rPr lang="en-US" sz="3509" b="1">
+              <a:rPr lang="en-US" sz="3509" b="1" dirty="0">
                 <a:solidFill>
                   <a:srgbClr val="1E1E1E"/>
                 </a:solidFill>
               </a:rPr>
               <a:t>Performance</a:t>
             </a:r>
-            <a:endParaRPr/>
+            <a:endParaRPr dirty="0"/>
           </a:p>
           <a:p>
             <a:pPr marL="1116099" lvl="1" indent="-461215">
@@ -33262,14 +33333,14 @@
               <a:buSzPts val="2790"/>
             </a:pPr>
             <a:r>
-              <a:rPr lang="en-US" sz="3509" b="1">
+              <a:rPr lang="en-US" sz="3509" b="1" dirty="0">
                 <a:solidFill>
                   <a:srgbClr val="1E1E1E"/>
                 </a:solidFill>
               </a:rPr>
               <a:t>Flexibility</a:t>
             </a:r>
-            <a:endParaRPr/>
+            <a:endParaRPr dirty="0"/>
           </a:p>
           <a:p>
             <a:pPr marL="1116099" lvl="1" indent="-461215">
@@ -33282,14 +33353,14 @@
               <a:buSzPts val="2790"/>
             </a:pPr>
             <a:r>
-              <a:rPr lang="en-US" sz="3509" b="1">
+              <a:rPr lang="en-US" sz="3509" b="1" dirty="0">
                 <a:solidFill>
                   <a:srgbClr val="1E1E1E"/>
                 </a:solidFill>
               </a:rPr>
               <a:t>Extensibility</a:t>
             </a:r>
-            <a:endParaRPr/>
+            <a:endParaRPr dirty="0"/>
           </a:p>
           <a:p>
             <a:pPr marL="1116099" lvl="1" indent="-461215">
@@ -33302,14 +33373,14 @@
               <a:buSzPts val="2790"/>
             </a:pPr>
             <a:r>
-              <a:rPr lang="en-US" sz="3509" b="1">
+              <a:rPr lang="en-US" sz="3509" b="1" dirty="0">
                 <a:solidFill>
                   <a:srgbClr val="1E1E1E"/>
                 </a:solidFill>
               </a:rPr>
               <a:t>Compatibility</a:t>
             </a:r>
-            <a:endParaRPr/>
+            <a:endParaRPr dirty="0"/>
           </a:p>
         </p:txBody>
       </p:sp>
@@ -33399,10 +33470,10 @@
           <a:lstStyle/>
           <a:p>
             <a:r>
-              <a:rPr lang="en-US"/>
+              <a:rPr lang="en-US" dirty="0"/>
               <a:t>Point Cloud Library (PCL)</a:t>
             </a:r>
-            <a:endParaRPr/>
+            <a:endParaRPr dirty="0"/>
           </a:p>
         </p:txBody>
       </p:sp>
@@ -33772,14 +33843,14 @@
               <a:buSzPts val="2400"/>
             </a:pPr>
             <a:r>
-              <a:rPr lang="en-US" sz="3018"/>
+              <a:rPr lang="en-US" sz="3018" dirty="0"/>
               <a:t>Library for </a:t>
             </a:r>
             <a:r>
-              <a:rPr lang="en-US" sz="3018" b="1"/>
+              <a:rPr lang="en-US" sz="3018" b="1" dirty="0"/>
               <a:t>Python programming language</a:t>
             </a:r>
-            <a:endParaRPr sz="3018" b="1"/>
+            <a:endParaRPr sz="3018" b="1" dirty="0"/>
           </a:p>
           <a:p>
             <a:pPr indent="-479184">
@@ -33789,10 +33860,10 @@
               <a:buSzPts val="2400"/>
             </a:pPr>
             <a:r>
-              <a:rPr lang="en-US" sz="3018"/>
+              <a:rPr lang="en-US" sz="3018" dirty="0"/>
               <a:t>Adding support for: </a:t>
             </a:r>
-            <a:endParaRPr sz="3018"/>
+            <a:endParaRPr sz="3018" dirty="0"/>
           </a:p>
           <a:p>
             <a:pPr lvl="1" indent="-479184">
@@ -33802,10 +33873,10 @@
               <a:buSzPts val="2400"/>
             </a:pPr>
             <a:r>
-              <a:rPr lang="en-US" sz="3018"/>
+              <a:rPr lang="en-US" sz="3018" dirty="0"/>
               <a:t>Large, multi-dimensional: </a:t>
             </a:r>
-            <a:endParaRPr sz="3018"/>
+            <a:endParaRPr sz="3018" dirty="0"/>
           </a:p>
           <a:p>
             <a:pPr lvl="2" indent="-479184">
@@ -33815,10 +33886,10 @@
               <a:buSzPts val="2400"/>
             </a:pPr>
             <a:r>
-              <a:rPr lang="en-US" sz="3018" b="1"/>
+              <a:rPr lang="en-US" sz="3018" b="1" dirty="0"/>
               <a:t>Arrays</a:t>
             </a:r>
-            <a:endParaRPr sz="3018" b="1"/>
+            <a:endParaRPr sz="3018" b="1" dirty="0"/>
           </a:p>
           <a:p>
             <a:pPr lvl="2" indent="-479184">
@@ -33828,10 +33899,10 @@
               <a:buSzPts val="2400"/>
             </a:pPr>
             <a:r>
-              <a:rPr lang="en-US" sz="3018" b="1"/>
+              <a:rPr lang="en-US" sz="3018" b="1" dirty="0"/>
               <a:t>Matrices</a:t>
             </a:r>
-            <a:endParaRPr sz="3018" b="1"/>
+            <a:endParaRPr sz="3018" b="1" dirty="0"/>
           </a:p>
           <a:p>
             <a:pPr lvl="1" indent="-479184">
@@ -33841,18 +33912,18 @@
               <a:buSzPts val="2400"/>
             </a:pPr>
             <a:r>
-              <a:rPr lang="en-US" sz="3018"/>
+              <a:rPr lang="en-US" sz="3018" dirty="0"/>
               <a:t>Large collection of </a:t>
             </a:r>
             <a:r>
-              <a:rPr lang="en-US" sz="3018" b="1"/>
+              <a:rPr lang="en-US" sz="3018" b="1" dirty="0"/>
               <a:t>high-level mathematical functions</a:t>
             </a:r>
             <a:r>
-              <a:rPr lang="en-US" sz="3018"/>
+              <a:rPr lang="en-US" sz="3018" dirty="0"/>
               <a:t> to operate on these arrays</a:t>
             </a:r>
-            <a:endParaRPr sz="3018"/>
+            <a:endParaRPr sz="3018" dirty="0"/>
           </a:p>
         </p:txBody>
       </p:sp>
@@ -34000,7 +34071,7 @@
           <a:p>
             <a:r>
               <a:rPr lang="en-US" sz="5660" dirty="0"/>
-              <a:t>Open Source Computer Vision (OpenCV)</a:t>
+              <a:t>Open-Source Computer Vision (OpenCV)</a:t>
             </a:r>
             <a:endParaRPr sz="5660" dirty="0"/>
           </a:p>
@@ -34045,10 +34116,10 @@
               <a:buSzPts val="1979"/>
             </a:pPr>
             <a:r>
-              <a:rPr lang="en-US" sz="2489"/>
+              <a:rPr lang="en-US" sz="2489" dirty="0"/>
               <a:t>Released under BSD license; free for academic &amp; commercial use</a:t>
             </a:r>
-            <a:endParaRPr/>
+            <a:endParaRPr dirty="0"/>
           </a:p>
           <a:p>
             <a:pPr marL="491163" indent="-491163">
@@ -34058,10 +34129,10 @@
               <a:buSzPts val="1979"/>
             </a:pPr>
             <a:r>
-              <a:rPr lang="en-US" sz="2489"/>
+              <a:rPr lang="en-US" sz="2489" dirty="0"/>
               <a:t>Interfaces: C++, C, Python &amp; Java</a:t>
             </a:r>
-            <a:endParaRPr/>
+            <a:endParaRPr dirty="0"/>
           </a:p>
           <a:p>
             <a:pPr marL="491163" indent="-491163">
@@ -34071,10 +34142,10 @@
               <a:buSzPts val="1979"/>
             </a:pPr>
             <a:r>
-              <a:rPr lang="en-US" sz="2489"/>
+              <a:rPr lang="en-US" sz="2489" dirty="0"/>
               <a:t>Supports: Windows, Linux, macOS, iOS &amp; Android</a:t>
             </a:r>
-            <a:endParaRPr/>
+            <a:endParaRPr dirty="0"/>
           </a:p>
           <a:p>
             <a:pPr marL="491163" indent="-491163">
@@ -34084,10 +34155,10 @@
               <a:buSzPts val="1979"/>
             </a:pPr>
             <a:r>
-              <a:rPr lang="en-US" sz="2489"/>
+              <a:rPr lang="en-US" sz="2489" dirty="0"/>
               <a:t>Designed:</a:t>
             </a:r>
-            <a:endParaRPr/>
+            <a:endParaRPr dirty="0"/>
           </a:p>
           <a:p>
             <a:pPr marL="1116099" lvl="1" indent="-461215">
@@ -34097,10 +34168,10 @@
               <a:buSzPts val="1979"/>
             </a:pPr>
             <a:r>
-              <a:rPr lang="en-US" sz="2489"/>
+              <a:rPr lang="en-US" sz="2489" dirty="0"/>
               <a:t>For computational efficiency</a:t>
             </a:r>
-            <a:endParaRPr/>
+            <a:endParaRPr dirty="0"/>
           </a:p>
           <a:p>
             <a:pPr marL="1116099" lvl="1" indent="-461215">
@@ -34110,10 +34181,10 @@
               <a:buSzPts val="1979"/>
             </a:pPr>
             <a:r>
-              <a:rPr lang="en-US" sz="2489"/>
+              <a:rPr lang="en-US" sz="2489" dirty="0"/>
               <a:t>With strong focus on real-time applications </a:t>
             </a:r>
-            <a:endParaRPr/>
+            <a:endParaRPr dirty="0"/>
           </a:p>
           <a:p>
             <a:pPr marL="491163" indent="-491163">
@@ -34123,10 +34194,10 @@
               <a:buSzPts val="1979"/>
             </a:pPr>
             <a:r>
-              <a:rPr lang="en-US" sz="2489"/>
+              <a:rPr lang="en-US" sz="2489" dirty="0"/>
               <a:t>Written in optimized C/C++, taking advantage of multi-core processing</a:t>
             </a:r>
-            <a:endParaRPr/>
+            <a:endParaRPr dirty="0"/>
           </a:p>
           <a:p>
             <a:pPr marL="491163" indent="-491163">
@@ -34139,14 +34210,14 @@
               <a:buSzPts val="1979"/>
             </a:pPr>
             <a:r>
-              <a:rPr lang="en-US" sz="2489" b="1">
+              <a:rPr lang="en-US" sz="2489" b="1" dirty="0">
                 <a:solidFill>
                   <a:srgbClr val="1E1E1E"/>
                 </a:solidFill>
               </a:rPr>
               <a:t>Most popular, expanded &amp; offering proven functions</a:t>
             </a:r>
-            <a:endParaRPr/>
+            <a:endParaRPr dirty="0"/>
           </a:p>
         </p:txBody>
       </p:sp>
@@ -34548,32 +34619,41 @@
               <a:buNone/>
             </a:pPr>
             <a:r>
-              <a:rPr lang="en-US" sz="3018" b="1">
+              <a:rPr lang="en-US" sz="3018" b="1" dirty="0" err="1">
                 <a:latin typeface="Consolas"/>
                 <a:ea typeface="Consolas"/>
                 <a:cs typeface="Consolas"/>
                 <a:sym typeface="Consolas"/>
               </a:rPr>
-              <a:t>retval = cv2.imread(</a:t>
-            </a:r>
-            <a:br>
-              <a:rPr lang="en-US" sz="3018" b="1">
+              <a:t>retval</a:t>
+            </a:r>
+            <a:r>
+              <a:rPr lang="en-US" sz="3018" b="1" dirty="0">
                 <a:latin typeface="Consolas"/>
                 <a:ea typeface="Consolas"/>
                 <a:cs typeface="Consolas"/>
                 <a:sym typeface="Consolas"/>
               </a:rPr>
-            </a:br>
-            <a:r>
-              <a:rPr lang="en-US" sz="3018" b="1">
+              <a:t> = cv2.imread(</a:t>
+            </a:r>
+            <a:br>
+              <a:rPr lang="en-US" sz="3018" b="1" dirty="0">
                 <a:latin typeface="Consolas"/>
                 <a:ea typeface="Consolas"/>
                 <a:cs typeface="Consolas"/>
                 <a:sym typeface="Consolas"/>
               </a:rPr>
+            </a:br>
+            <a:r>
+              <a:rPr lang="en-US" sz="3018" b="1" dirty="0">
+                <a:latin typeface="Consolas"/>
+                <a:ea typeface="Consolas"/>
+                <a:cs typeface="Consolas"/>
+                <a:sym typeface="Consolas"/>
+              </a:rPr>
               <a:t>       filename)</a:t>
             </a:r>
-            <a:endParaRPr sz="3018" b="1">
+            <a:endParaRPr sz="3018" b="1" dirty="0">
               <a:latin typeface="Consolas"/>
               <a:ea typeface="Consolas"/>
               <a:cs typeface="Consolas"/>
@@ -34585,7 +34665,7 @@
               <a:buSzPts val="2400"/>
             </a:pPr>
             <a:r>
-              <a:rPr lang="en-US" sz="3018" b="1">
+              <a:rPr lang="en-US" sz="3018" b="1" dirty="0" err="1">
                 <a:latin typeface="Consolas"/>
                 <a:ea typeface="Consolas"/>
                 <a:cs typeface="Consolas"/>
@@ -34594,10 +34674,10 @@
               <a:t>retval</a:t>
             </a:r>
             <a:r>
-              <a:rPr lang="en-US" sz="3018"/>
+              <a:rPr lang="en-US" sz="3018" dirty="0"/>
               <a:t> - returned image</a:t>
             </a:r>
-            <a:endParaRPr sz="3018"/>
+            <a:endParaRPr sz="3018" dirty="0"/>
           </a:p>
           <a:p>
             <a:pPr indent="-479184">
@@ -34607,7 +34687,7 @@
               <a:buSzPts val="2400"/>
             </a:pPr>
             <a:r>
-              <a:rPr lang="en-US" sz="3018" b="1">
+              <a:rPr lang="en-US" sz="3018" b="1" dirty="0">
                 <a:latin typeface="Consolas"/>
                 <a:ea typeface="Consolas"/>
                 <a:cs typeface="Consolas"/>
@@ -34616,10 +34696,10 @@
               <a:t>filename</a:t>
             </a:r>
             <a:r>
-              <a:rPr lang="en-US" sz="3018"/>
+              <a:rPr lang="en-US" sz="3018" dirty="0"/>
               <a:t> - name of file to be loaded</a:t>
             </a:r>
-            <a:endParaRPr sz="3018"/>
+            <a:endParaRPr sz="3018" dirty="0"/>
           </a:p>
         </p:txBody>
       </p:sp>
